--- a/docs/presentation/Adversarial Physics3.pptx
+++ b/docs/presentation/Adversarial Physics3.pptx
@@ -6,10 +6,11 @@
   </p:sldMasterIdLst>
   <p:sldIdLst>
     <p:sldId id="256" r:id="rId2"/>
-    <p:sldId id="268" r:id="rId3"/>
-    <p:sldId id="267" r:id="rId4"/>
-    <p:sldId id="266" r:id="rId5"/>
-    <p:sldId id="265" r:id="rId6"/>
+    <p:sldId id="269" r:id="rId3"/>
+    <p:sldId id="268" r:id="rId4"/>
+    <p:sldId id="267" r:id="rId5"/>
+    <p:sldId id="266" r:id="rId6"/>
+    <p:sldId id="265" r:id="rId7"/>
   </p:sldIdLst>
   <p:sldSz cx="12192000" cy="6858000"/>
   <p:notesSz cx="6858000" cy="9144000"/>
@@ -6085,13 +6086,13 @@
         </p:nvSpPr>
         <p:spPr>
           <a:xfrm>
-            <a:off x="1093305" y="292657"/>
-            <a:ext cx="9448800" cy="1825096"/>
+            <a:off x="1277755" y="0"/>
+            <a:ext cx="9361466" cy="873698"/>
           </a:xfrm>
         </p:spPr>
         <p:txBody>
           <a:bodyPr>
-            <a:normAutofit/>
+            <a:normAutofit fontScale="90000"/>
           </a:bodyPr>
           <a:lstStyle/>
           <a:p>
@@ -6114,7 +6115,7 @@
         </p:nvSpPr>
         <p:spPr>
           <a:xfrm>
-            <a:off x="1477617" y="2756451"/>
+            <a:off x="-2556731" y="1983332"/>
             <a:ext cx="9473095" cy="1992243"/>
           </a:xfrm>
         </p:spPr>
@@ -6261,13 +6262,13 @@
         </p:nvSpPr>
         <p:spPr>
           <a:xfrm>
-            <a:off x="1790700" y="352304"/>
-            <a:ext cx="8610600" cy="1293028"/>
+            <a:off x="1782851" y="122259"/>
+            <a:ext cx="8610600" cy="636745"/>
           </a:xfrm>
         </p:spPr>
         <p:txBody>
           <a:bodyPr>
-            <a:normAutofit/>
+            <a:normAutofit fontScale="90000"/>
           </a:bodyPr>
           <a:lstStyle/>
           <a:p>
@@ -6284,7 +6285,7 @@
                   </a:solidFill>
                 </a:ln>
               </a:rPr>
-              <a:t>Component Breakdown</a:t>
+              <a:t>Player Actions.</a:t>
             </a:r>
           </a:p>
         </p:txBody>
@@ -6427,7 +6428,7 @@
         <p:spPr>
           <a:xfrm>
             <a:off x="2699026" y="3260034"/>
-            <a:ext cx="7377044" cy="369332"/>
+            <a:ext cx="7377044" cy="646331"/>
           </a:xfrm>
           <a:prstGeom prst="rect">
             <a:avLst/>
@@ -6452,7 +6453,314 @@
                   </a:solidFill>
                 </a:ln>
               </a:rPr>
-              <a:t>Forcefields can be placed to block enemy projectiles reflecting them back.</a:t>
+              <a:t>Forcefields can be placed to block enemy projectiles reflecting them back the direction they came.</a:t>
+            </a:r>
+          </a:p>
+        </p:txBody>
+      </p:sp>
+      <p:sp>
+        <p:nvSpPr>
+          <p:cNvPr id="13" name="TextBox 12"/>
+          <p:cNvSpPr txBox="1"/>
+          <p:nvPr/>
+        </p:nvSpPr>
+        <p:spPr>
+          <a:xfrm>
+            <a:off x="2699026" y="4885344"/>
+            <a:ext cx="7443304" cy="646331"/>
+          </a:xfrm>
+          <a:prstGeom prst="rect">
+            <a:avLst/>
+          </a:prstGeom>
+          <a:noFill/>
+        </p:spPr>
+        <p:txBody>
+          <a:bodyPr wrap="square" rtlCol="0">
+            <a:spAutoFit/>
+          </a:bodyPr>
+          <a:lstStyle/>
+          <a:p>
+            <a:r>
+              <a:rPr lang="en-GB" dirty="0">
+                <a:ln w="9525">
+                  <a:solidFill>
+                    <a:schemeClr val="bg1">
+                      <a:lumMod val="75000"/>
+                      <a:lumOff val="25000"/>
+                      <a:alpha val="72000"/>
+                    </a:schemeClr>
+                  </a:solidFill>
+                </a:ln>
+              </a:rPr>
+              <a:t>Singularities can be placed to block enemy asteroids and cause them to spin away randomly.</a:t>
+            </a:r>
+          </a:p>
+        </p:txBody>
+      </p:sp>
+    </p:spTree>
+    <p:extLst>
+      <p:ext uri="{BB962C8B-B14F-4D97-AF65-F5344CB8AC3E}">
+        <p14:creationId xmlns:p14="http://schemas.microsoft.com/office/powerpoint/2010/main" val="1037694975"/>
+      </p:ext>
+    </p:extLst>
+  </p:cSld>
+  <p:clrMapOvr>
+    <a:masterClrMapping/>
+  </p:clrMapOvr>
+</p:sld>
+</file>
+
+<file path=ppt/slides/slide3.xml><?xml version="1.0" encoding="utf-8"?>
+<p:sld xmlns:a="http://schemas.openxmlformats.org/drawingml/2006/main" xmlns:r="http://schemas.openxmlformats.org/officeDocument/2006/relationships" xmlns:p="http://schemas.openxmlformats.org/presentationml/2006/main">
+  <p:cSld>
+    <p:spTree>
+      <p:nvGrpSpPr>
+        <p:cNvPr id="1" name=""/>
+        <p:cNvGrpSpPr/>
+        <p:nvPr/>
+      </p:nvGrpSpPr>
+      <p:grpSpPr>
+        <a:xfrm>
+          <a:off x="0" y="0"/>
+          <a:ext cx="0" cy="0"/>
+          <a:chOff x="0" y="0"/>
+          <a:chExt cx="0" cy="0"/>
+        </a:xfrm>
+      </p:grpSpPr>
+      <p:pic>
+        <p:nvPicPr>
+          <p:cNvPr id="15" name="Picture 14"/>
+          <p:cNvPicPr>
+            <a:picLocks noChangeAspect="1"/>
+          </p:cNvPicPr>
+          <p:nvPr/>
+        </p:nvPicPr>
+        <p:blipFill>
+          <a:blip r:embed="rId2">
+            <a:extLst>
+              <a:ext uri="{28A0092B-C50C-407E-A947-70E740481C1C}">
+                <a14:useLocalDpi xmlns:a14="http://schemas.microsoft.com/office/drawing/2010/main" val="0"/>
+              </a:ext>
+            </a:extLst>
+          </a:blip>
+          <a:stretch>
+            <a:fillRect/>
+          </a:stretch>
+        </p:blipFill>
+        <p:spPr>
+          <a:xfrm>
+            <a:off x="2000250" y="0"/>
+            <a:ext cx="8265764" cy="6858000"/>
+          </a:xfrm>
+          <a:prstGeom prst="rect">
+            <a:avLst/>
+          </a:prstGeom>
+        </p:spPr>
+      </p:pic>
+      <p:sp>
+        <p:nvSpPr>
+          <p:cNvPr id="6" name="Title 1"/>
+          <p:cNvSpPr>
+            <a:spLocks noGrp="1"/>
+          </p:cNvSpPr>
+          <p:nvPr>
+            <p:ph type="title"/>
+          </p:nvPr>
+        </p:nvSpPr>
+        <p:spPr>
+          <a:xfrm>
+            <a:off x="1782851" y="122259"/>
+            <a:ext cx="8610600" cy="636745"/>
+          </a:xfrm>
+        </p:spPr>
+        <p:txBody>
+          <a:bodyPr>
+            <a:normAutofit fontScale="90000"/>
+          </a:bodyPr>
+          <a:lstStyle/>
+          <a:p>
+            <a:pPr algn="ctr"/>
+            <a:r>
+              <a:rPr lang="en-GB" dirty="0">
+                <a:ln w="9525">
+                  <a:solidFill>
+                    <a:schemeClr val="bg1">
+                      <a:lumMod val="75000"/>
+                      <a:lumOff val="25000"/>
+                      <a:alpha val="72000"/>
+                    </a:schemeClr>
+                  </a:solidFill>
+                </a:ln>
+              </a:rPr>
+              <a:t>Component Breakdown</a:t>
+            </a:r>
+          </a:p>
+        </p:txBody>
+      </p:sp>
+      <p:pic>
+        <p:nvPicPr>
+          <p:cNvPr id="7" name="Picture 6"/>
+          <p:cNvPicPr>
+            <a:picLocks noChangeAspect="1"/>
+          </p:cNvPicPr>
+          <p:nvPr/>
+        </p:nvPicPr>
+        <p:blipFill>
+          <a:blip r:embed="rId3">
+            <a:extLst>
+              <a:ext uri="{28A0092B-C50C-407E-A947-70E740481C1C}">
+                <a14:useLocalDpi xmlns:a14="http://schemas.microsoft.com/office/drawing/2010/main" val="0"/>
+              </a:ext>
+            </a:extLst>
+          </a:blip>
+          <a:stretch>
+            <a:fillRect/>
+          </a:stretch>
+        </p:blipFill>
+        <p:spPr>
+          <a:xfrm>
+            <a:off x="733693" y="1645332"/>
+            <a:ext cx="1095107" cy="1095107"/>
+          </a:xfrm>
+          <a:prstGeom prst="rect">
+            <a:avLst/>
+          </a:prstGeom>
+        </p:spPr>
+      </p:pic>
+      <p:pic>
+        <p:nvPicPr>
+          <p:cNvPr id="9" name="Picture 8"/>
+          <p:cNvPicPr>
+            <a:picLocks noChangeAspect="1"/>
+          </p:cNvPicPr>
+          <p:nvPr/>
+        </p:nvPicPr>
+        <p:blipFill>
+          <a:blip r:embed="rId4">
+            <a:extLst>
+              <a:ext uri="{28A0092B-C50C-407E-A947-70E740481C1C}">
+                <a14:useLocalDpi xmlns:a14="http://schemas.microsoft.com/office/drawing/2010/main" val="0"/>
+              </a:ext>
+            </a:extLst>
+          </a:blip>
+          <a:stretch>
+            <a:fillRect/>
+          </a:stretch>
+        </p:blipFill>
+        <p:spPr>
+          <a:xfrm>
+            <a:off x="232630" y="2562415"/>
+            <a:ext cx="2123735" cy="2123735"/>
+          </a:xfrm>
+          <a:prstGeom prst="rect">
+            <a:avLst/>
+          </a:prstGeom>
+        </p:spPr>
+      </p:pic>
+      <p:pic>
+        <p:nvPicPr>
+          <p:cNvPr id="10" name="Picture 9"/>
+          <p:cNvPicPr>
+            <a:picLocks noChangeAspect="1"/>
+          </p:cNvPicPr>
+          <p:nvPr/>
+        </p:nvPicPr>
+        <p:blipFill>
+          <a:blip r:embed="rId5">
+            <a:extLst>
+              <a:ext uri="{28A0092B-C50C-407E-A947-70E740481C1C}">
+                <a14:useLocalDpi xmlns:a14="http://schemas.microsoft.com/office/drawing/2010/main" val="0"/>
+              </a:ext>
+            </a:extLst>
+          </a:blip>
+          <a:stretch>
+            <a:fillRect/>
+          </a:stretch>
+        </p:blipFill>
+        <p:spPr>
+          <a:xfrm>
+            <a:off x="544372" y="4703472"/>
+            <a:ext cx="1332194" cy="1332194"/>
+          </a:xfrm>
+          <a:prstGeom prst="rect">
+            <a:avLst/>
+          </a:prstGeom>
+        </p:spPr>
+      </p:pic>
+      <p:sp>
+        <p:nvSpPr>
+          <p:cNvPr id="11" name="TextBox 10"/>
+          <p:cNvSpPr txBox="1"/>
+          <p:nvPr/>
+        </p:nvSpPr>
+        <p:spPr>
+          <a:xfrm>
+            <a:off x="2699026" y="1766957"/>
+            <a:ext cx="7907131" cy="646331"/>
+          </a:xfrm>
+          <a:prstGeom prst="rect">
+            <a:avLst/>
+          </a:prstGeom>
+          <a:noFill/>
+        </p:spPr>
+        <p:txBody>
+          <a:bodyPr wrap="square" rtlCol="0">
+            <a:spAutoFit/>
+          </a:bodyPr>
+          <a:lstStyle/>
+          <a:p>
+            <a:r>
+              <a:rPr lang="en-GB" dirty="0">
+                <a:ln w="9525">
+                  <a:solidFill>
+                    <a:schemeClr val="bg1">
+                      <a:lumMod val="75000"/>
+                      <a:lumOff val="25000"/>
+                      <a:alpha val="72000"/>
+                    </a:schemeClr>
+                  </a:solidFill>
+                </a:ln>
+              </a:rPr>
+              <a:t>Boosters can be placed in the game to speed up projectiles that fly through them.</a:t>
+            </a:r>
+          </a:p>
+        </p:txBody>
+      </p:sp>
+      <p:sp>
+        <p:nvSpPr>
+          <p:cNvPr id="12" name="TextBox 11"/>
+          <p:cNvSpPr txBox="1"/>
+          <p:nvPr/>
+        </p:nvSpPr>
+        <p:spPr>
+          <a:xfrm>
+            <a:off x="2699026" y="3260034"/>
+            <a:ext cx="7377044" cy="646331"/>
+          </a:xfrm>
+          <a:prstGeom prst="rect">
+            <a:avLst/>
+          </a:prstGeom>
+          <a:noFill/>
+        </p:spPr>
+        <p:txBody>
+          <a:bodyPr wrap="square" rtlCol="0">
+            <a:spAutoFit/>
+          </a:bodyPr>
+          <a:lstStyle/>
+          <a:p>
+            <a:r>
+              <a:rPr lang="en-GB" dirty="0">
+                <a:ln w="9525">
+                  <a:solidFill>
+                    <a:schemeClr val="bg1">
+                      <a:lumMod val="75000"/>
+                      <a:lumOff val="25000"/>
+                      <a:alpha val="72000"/>
+                    </a:schemeClr>
+                  </a:solidFill>
+                </a:ln>
+              </a:rPr>
+              <a:t>Forcefields can be placed to block enemy projectiles reflecting them back the direction they came.</a:t>
             </a:r>
           </a:p>
         </p:txBody>
@@ -6509,7 +6817,7 @@
 </p:sld>
 </file>
 
-<file path=ppt/slides/slide3.xml><?xml version="1.0" encoding="utf-8"?>
+<file path=ppt/slides/slide4.xml><?xml version="1.0" encoding="utf-8"?>
 <p:sld xmlns:a="http://schemas.openxmlformats.org/drawingml/2006/main" xmlns:r="http://schemas.openxmlformats.org/officeDocument/2006/relationships" xmlns:p="http://schemas.openxmlformats.org/presentationml/2006/main">
   <p:cSld>
     <p:spTree>
@@ -6568,8 +6876,8 @@
         </p:nvSpPr>
         <p:spPr>
           <a:xfrm>
-            <a:off x="1790699" y="214948"/>
-            <a:ext cx="8610600" cy="1293028"/>
+            <a:off x="1827832" y="0"/>
+            <a:ext cx="8610600" cy="982995"/>
           </a:xfrm>
         </p:spPr>
         <p:txBody>
@@ -6597,7 +6905,7 @@
 </p:sld>
 </file>
 
-<file path=ppt/slides/slide4.xml><?xml version="1.0" encoding="utf-8"?>
+<file path=ppt/slides/slide5.xml><?xml version="1.0" encoding="utf-8"?>
 <p:sld xmlns:a="http://schemas.openxmlformats.org/drawingml/2006/main" xmlns:r="http://schemas.openxmlformats.org/officeDocument/2006/relationships" xmlns:p="http://schemas.openxmlformats.org/presentationml/2006/main">
   <p:cSld>
     <p:spTree>
@@ -6636,7 +6944,7 @@
         </p:blipFill>
         <p:spPr>
           <a:xfrm>
-            <a:off x="2000250" y="0"/>
+            <a:off x="2000250" y="-54942"/>
             <a:ext cx="8265764" cy="6858000"/>
           </a:xfrm>
           <a:prstGeom prst="rect">
@@ -6656,8 +6964,8 @@
         </p:nvSpPr>
         <p:spPr>
           <a:xfrm>
-            <a:off x="1790700" y="344456"/>
-            <a:ext cx="8610600" cy="1293028"/>
+            <a:off x="1827832" y="0"/>
+            <a:ext cx="8610600" cy="876138"/>
           </a:xfrm>
         </p:spPr>
         <p:txBody>
@@ -6685,7 +6993,7 @@
 </p:sld>
 </file>
 
-<file path=ppt/slides/slide5.xml><?xml version="1.0" encoding="utf-8"?>
+<file path=ppt/slides/slide6.xml><?xml version="1.0" encoding="utf-8"?>
 <p:sld xmlns:a="http://schemas.openxmlformats.org/drawingml/2006/main" xmlns:r="http://schemas.openxmlformats.org/officeDocument/2006/relationships" xmlns:p="http://schemas.openxmlformats.org/presentationml/2006/main">
   <p:cSld>
     <p:spTree>
@@ -6744,12 +7052,14 @@
         </p:nvSpPr>
         <p:spPr>
           <a:xfrm>
-            <a:off x="1790700" y="391549"/>
-            <a:ext cx="8610600" cy="1293028"/>
-          </a:xfrm>
-        </p:spPr>
-        <p:txBody>
-          <a:bodyPr/>
+            <a:off x="1827832" y="109884"/>
+            <a:ext cx="8610600" cy="699537"/>
+          </a:xfrm>
+        </p:spPr>
+        <p:txBody>
+          <a:bodyPr>
+            <a:normAutofit fontScale="90000"/>
+          </a:bodyPr>
           <a:lstStyle/>
           <a:p>
             <a:pPr algn="ctr"/>

--- a/docs/presentation/Adversarial Physics3.pptx
+++ b/docs/presentation/Adversarial Physics3.pptx
@@ -6220,6 +6220,46 @@
           <a:chExt cx="0" cy="0"/>
         </a:xfrm>
       </p:grpSpPr>
+      <p:sp>
+        <p:nvSpPr>
+          <p:cNvPr id="6" name="Title 1"/>
+          <p:cNvSpPr>
+            <a:spLocks noGrp="1"/>
+          </p:cNvSpPr>
+          <p:nvPr>
+            <p:ph type="title"/>
+          </p:nvPr>
+        </p:nvSpPr>
+        <p:spPr>
+          <a:xfrm>
+            <a:off x="1782851" y="122259"/>
+            <a:ext cx="8610600" cy="636745"/>
+          </a:xfrm>
+        </p:spPr>
+        <p:txBody>
+          <a:bodyPr>
+            <a:normAutofit fontScale="90000"/>
+          </a:bodyPr>
+          <a:lstStyle/>
+          <a:p>
+            <a:pPr algn="ctr"/>
+            <a:r>
+              <a:rPr lang="en-GB" dirty="0">
+                <a:ln w="9525">
+                  <a:solidFill>
+                    <a:schemeClr val="bg1">
+                      <a:lumMod val="75000"/>
+                      <a:lumOff val="25000"/>
+                      <a:alpha val="72000"/>
+                    </a:schemeClr>
+                  </a:solidFill>
+                </a:ln>
+              </a:rPr>
+              <a:t>Player Actions.</a:t>
+            </a:r>
+          </a:p>
+        </p:txBody>
+      </p:sp>
       <p:pic>
         <p:nvPicPr>
           <p:cNvPr id="15" name="Picture 14"/>
@@ -6250,70 +6290,23 @@
           </a:prstGeom>
         </p:spPr>
       </p:pic>
-      <p:sp>
-        <p:nvSpPr>
-          <p:cNvPr id="6" name="Title 1"/>
-          <p:cNvSpPr>
-            <a:spLocks noGrp="1"/>
-          </p:cNvSpPr>
-          <p:nvPr>
-            <p:ph type="title"/>
-          </p:nvPr>
-        </p:nvSpPr>
-        <p:spPr>
-          <a:xfrm>
-            <a:off x="1782851" y="122259"/>
-            <a:ext cx="8610600" cy="636745"/>
-          </a:xfrm>
-        </p:spPr>
-        <p:txBody>
-          <a:bodyPr>
-            <a:normAutofit fontScale="90000"/>
-          </a:bodyPr>
-          <a:lstStyle/>
-          <a:p>
-            <a:pPr algn="ctr"/>
-            <a:r>
-              <a:rPr lang="en-GB" dirty="0">
-                <a:ln w="9525">
-                  <a:solidFill>
-                    <a:schemeClr val="bg1">
-                      <a:lumMod val="75000"/>
-                      <a:lumOff val="25000"/>
-                      <a:alpha val="72000"/>
-                    </a:schemeClr>
-                  </a:solidFill>
-                </a:ln>
-              </a:rPr>
-              <a:t>Player Actions.</a:t>
-            </a:r>
-          </a:p>
-        </p:txBody>
-      </p:sp>
       <p:pic>
         <p:nvPicPr>
-          <p:cNvPr id="7" name="Picture 6"/>
+          <p:cNvPr id="2" name="Picture 1"/>
           <p:cNvPicPr>
             <a:picLocks noChangeAspect="1"/>
           </p:cNvPicPr>
           <p:nvPr/>
         </p:nvPicPr>
-        <p:blipFill>
-          <a:blip r:embed="rId3">
-            <a:extLst>
-              <a:ext uri="{28A0092B-C50C-407E-A947-70E740481C1C}">
-                <a14:useLocalDpi xmlns:a14="http://schemas.microsoft.com/office/drawing/2010/main" val="0"/>
-              </a:ext>
-            </a:extLst>
-          </a:blip>
-          <a:stretch>
-            <a:fillRect/>
-          </a:stretch>
+        <p:blipFill rotWithShape="1">
+          <a:blip r:embed="rId3"/>
+          <a:srcRect l="15000" t="23564" r="55037" b="20612"/>
+          <a:stretch/>
         </p:blipFill>
         <p:spPr>
           <a:xfrm>
-            <a:off x="733693" y="1645332"/>
-            <a:ext cx="1095107" cy="1095107"/>
+            <a:off x="1426817" y="661218"/>
+            <a:ext cx="9572487" cy="6018979"/>
           </a:xfrm>
           <a:prstGeom prst="rect">
             <a:avLst/>
@@ -6322,7 +6315,7 @@
       </p:pic>
       <p:pic>
         <p:nvPicPr>
-          <p:cNvPr id="9" name="Picture 8"/>
+          <p:cNvPr id="14" name="Picture 13"/>
           <p:cNvPicPr>
             <a:picLocks noChangeAspect="1"/>
           </p:cNvPicPr>
@@ -6342,8 +6335,8 @@
         </p:blipFill>
         <p:spPr>
           <a:xfrm>
-            <a:off x="232630" y="2562415"/>
-            <a:ext cx="2123735" cy="2123735"/>
+            <a:off x="1209534" y="4795754"/>
+            <a:ext cx="1242118" cy="1242118"/>
           </a:xfrm>
           <a:prstGeom prst="rect">
             <a:avLst/>
@@ -6352,7 +6345,7 @@
       </p:pic>
       <p:pic>
         <p:nvPicPr>
-          <p:cNvPr id="10" name="Picture 9"/>
+          <p:cNvPr id="16" name="Picture 15"/>
           <p:cNvPicPr>
             <a:picLocks noChangeAspect="1"/>
           </p:cNvPicPr>
@@ -6372,131 +6365,134 @@
         </p:blipFill>
         <p:spPr>
           <a:xfrm>
-            <a:off x="544372" y="4703472"/>
-            <a:ext cx="1332194" cy="1332194"/>
+            <a:off x="1489400" y="3087807"/>
+            <a:ext cx="682386" cy="682386"/>
           </a:xfrm>
           <a:prstGeom prst="rect">
             <a:avLst/>
           </a:prstGeom>
         </p:spPr>
       </p:pic>
-      <p:sp>
-        <p:nvSpPr>
-          <p:cNvPr id="11" name="TextBox 10"/>
-          <p:cNvSpPr txBox="1"/>
+      <p:pic>
+        <p:nvPicPr>
+          <p:cNvPr id="17" name="Picture 16"/>
+          <p:cNvPicPr>
+            <a:picLocks noChangeAspect="1"/>
+          </p:cNvPicPr>
           <p:nvPr/>
-        </p:nvSpPr>
-        <p:spPr>
-          <a:xfrm>
-            <a:off x="2699026" y="1766957"/>
-            <a:ext cx="7907131" cy="646331"/>
+        </p:nvPicPr>
+        <p:blipFill>
+          <a:blip r:embed="rId6">
+            <a:extLst>
+              <a:ext uri="{28A0092B-C50C-407E-A947-70E740481C1C}">
+                <a14:useLocalDpi xmlns:a14="http://schemas.microsoft.com/office/drawing/2010/main" val="0"/>
+              </a:ext>
+            </a:extLst>
+          </a:blip>
+          <a:stretch>
+            <a:fillRect/>
+          </a:stretch>
+        </p:blipFill>
+        <p:spPr>
+          <a:xfrm rot="5400000">
+            <a:off x="1588118" y="1438456"/>
+            <a:ext cx="484949" cy="484949"/>
           </a:xfrm>
           <a:prstGeom prst="rect">
             <a:avLst/>
           </a:prstGeom>
-          <a:noFill/>
-        </p:spPr>
-        <p:txBody>
-          <a:bodyPr wrap="square" rtlCol="0">
-            <a:spAutoFit/>
-          </a:bodyPr>
-          <a:lstStyle/>
-          <a:p>
-            <a:r>
-              <a:rPr lang="en-GB" dirty="0">
-                <a:ln w="9525">
-                  <a:solidFill>
-                    <a:schemeClr val="bg1">
-                      <a:lumMod val="75000"/>
-                      <a:lumOff val="25000"/>
-                      <a:alpha val="72000"/>
-                    </a:schemeClr>
-                  </a:solidFill>
-                </a:ln>
-              </a:rPr>
-              <a:t>Boosters can be placed in the game to speed up projectiles that fly through them.</a:t>
-            </a:r>
-          </a:p>
-        </p:txBody>
-      </p:sp>
-      <p:sp>
-        <p:nvSpPr>
-          <p:cNvPr id="12" name="TextBox 11"/>
-          <p:cNvSpPr txBox="1"/>
+        </p:spPr>
+      </p:pic>
+      <p:pic>
+        <p:nvPicPr>
+          <p:cNvPr id="18" name="Picture 17"/>
+          <p:cNvPicPr>
+            <a:picLocks noChangeAspect="1"/>
+          </p:cNvPicPr>
           <p:nvPr/>
-        </p:nvSpPr>
-        <p:spPr>
-          <a:xfrm>
-            <a:off x="2699026" y="3260034"/>
-            <a:ext cx="7377044" cy="646331"/>
+        </p:nvPicPr>
+        <p:blipFill>
+          <a:blip r:embed="rId4">
+            <a:extLst>
+              <a:ext uri="{28A0092B-C50C-407E-A947-70E740481C1C}">
+                <a14:useLocalDpi xmlns:a14="http://schemas.microsoft.com/office/drawing/2010/main" val="0"/>
+              </a:ext>
+            </a:extLst>
+          </a:blip>
+          <a:stretch>
+            <a:fillRect/>
+          </a:stretch>
+        </p:blipFill>
+        <p:spPr>
+          <a:xfrm rot="10800000">
+            <a:off x="9974469" y="4718449"/>
+            <a:ext cx="1242118" cy="1242118"/>
           </a:xfrm>
           <a:prstGeom prst="rect">
             <a:avLst/>
           </a:prstGeom>
-          <a:noFill/>
-        </p:spPr>
-        <p:txBody>
-          <a:bodyPr wrap="square" rtlCol="0">
-            <a:spAutoFit/>
-          </a:bodyPr>
-          <a:lstStyle/>
-          <a:p>
-            <a:r>
-              <a:rPr lang="en-GB" dirty="0">
-                <a:ln w="9525">
-                  <a:solidFill>
-                    <a:schemeClr val="bg1">
-                      <a:lumMod val="75000"/>
-                      <a:lumOff val="25000"/>
-                      <a:alpha val="72000"/>
-                    </a:schemeClr>
-                  </a:solidFill>
-                </a:ln>
-              </a:rPr>
-              <a:t>Forcefields can be placed to block enemy projectiles reflecting them back the direction they came.</a:t>
-            </a:r>
-          </a:p>
-        </p:txBody>
-      </p:sp>
-      <p:sp>
-        <p:nvSpPr>
-          <p:cNvPr id="13" name="TextBox 12"/>
-          <p:cNvSpPr txBox="1"/>
+        </p:spPr>
+      </p:pic>
+      <p:pic>
+        <p:nvPicPr>
+          <p:cNvPr id="19" name="Picture 18"/>
+          <p:cNvPicPr>
+            <a:picLocks noChangeAspect="1"/>
+          </p:cNvPicPr>
           <p:nvPr/>
-        </p:nvSpPr>
-        <p:spPr>
-          <a:xfrm>
-            <a:off x="2699026" y="4885344"/>
-            <a:ext cx="7443304" cy="646331"/>
+        </p:nvPicPr>
+        <p:blipFill>
+          <a:blip r:embed="rId5">
+            <a:extLst>
+              <a:ext uri="{28A0092B-C50C-407E-A947-70E740481C1C}">
+                <a14:useLocalDpi xmlns:a14="http://schemas.microsoft.com/office/drawing/2010/main" val="0"/>
+              </a:ext>
+            </a:extLst>
+          </a:blip>
+          <a:stretch>
+            <a:fillRect/>
+          </a:stretch>
+        </p:blipFill>
+        <p:spPr>
+          <a:xfrm rot="10800000">
+            <a:off x="10254335" y="3010502"/>
+            <a:ext cx="682386" cy="682386"/>
           </a:xfrm>
           <a:prstGeom prst="rect">
             <a:avLst/>
           </a:prstGeom>
-          <a:noFill/>
-        </p:spPr>
-        <p:txBody>
-          <a:bodyPr wrap="square" rtlCol="0">
-            <a:spAutoFit/>
-          </a:bodyPr>
-          <a:lstStyle/>
-          <a:p>
-            <a:r>
-              <a:rPr lang="en-GB" dirty="0">
-                <a:ln w="9525">
-                  <a:solidFill>
-                    <a:schemeClr val="bg1">
-                      <a:lumMod val="75000"/>
-                      <a:lumOff val="25000"/>
-                      <a:alpha val="72000"/>
-                    </a:schemeClr>
-                  </a:solidFill>
-                </a:ln>
-              </a:rPr>
-              <a:t>Singularities can be placed to block enemy asteroids and cause them to spin away randomly.</a:t>
-            </a:r>
-          </a:p>
-        </p:txBody>
-      </p:sp>
+        </p:spPr>
+      </p:pic>
+      <p:pic>
+        <p:nvPicPr>
+          <p:cNvPr id="20" name="Picture 19"/>
+          <p:cNvPicPr>
+            <a:picLocks noChangeAspect="1"/>
+          </p:cNvPicPr>
+          <p:nvPr/>
+        </p:nvPicPr>
+        <p:blipFill>
+          <a:blip r:embed="rId6">
+            <a:extLst>
+              <a:ext uri="{28A0092B-C50C-407E-A947-70E740481C1C}">
+                <a14:useLocalDpi xmlns:a14="http://schemas.microsoft.com/office/drawing/2010/main" val="0"/>
+              </a:ext>
+            </a:extLst>
+          </a:blip>
+          <a:stretch>
+            <a:fillRect/>
+          </a:stretch>
+        </p:blipFill>
+        <p:spPr>
+          <a:xfrm rot="16200000">
+            <a:off x="10353053" y="1361151"/>
+            <a:ext cx="484949" cy="484949"/>
+          </a:xfrm>
+          <a:prstGeom prst="rect">
+            <a:avLst/>
+          </a:prstGeom>
+        </p:spPr>
+      </p:pic>
     </p:spTree>
     <p:extLst>
       <p:ext uri="{BB962C8B-B14F-4D97-AF65-F5344CB8AC3E}">
@@ -6856,7 +6852,7 @@
         </p:blipFill>
         <p:spPr>
           <a:xfrm>
-            <a:off x="2000250" y="0"/>
+            <a:off x="1991415" y="0"/>
             <a:ext cx="8265764" cy="6858000"/>
           </a:xfrm>
           <a:prstGeom prst="rect">
@@ -6888,6 +6884,112 @@
             <a:r>
               <a:rPr lang="en-GB" dirty="0"/>
               <a:t>Design Deviations </a:t>
+            </a:r>
+          </a:p>
+        </p:txBody>
+      </p:sp>
+      <p:sp>
+        <p:nvSpPr>
+          <p:cNvPr id="4" name="TextBox 3"/>
+          <p:cNvSpPr txBox="1"/>
+          <p:nvPr/>
+        </p:nvSpPr>
+        <p:spPr>
+          <a:xfrm>
+            <a:off x="1991415" y="1055757"/>
+            <a:ext cx="7907131" cy="923330"/>
+          </a:xfrm>
+          <a:prstGeom prst="rect">
+            <a:avLst/>
+          </a:prstGeom>
+          <a:noFill/>
+        </p:spPr>
+        <p:txBody>
+          <a:bodyPr wrap="square" rtlCol="0">
+            <a:spAutoFit/>
+          </a:bodyPr>
+          <a:lstStyle/>
+          <a:p>
+            <a:r>
+              <a:rPr lang="en-GB" dirty="0">
+                <a:ln w="9525">
+                  <a:solidFill>
+                    <a:schemeClr val="bg1">
+                      <a:lumMod val="75000"/>
+                      <a:lumOff val="25000"/>
+                      <a:alpha val="72000"/>
+                    </a:schemeClr>
+                  </a:solidFill>
+                </a:ln>
+              </a:rPr>
+              <a:t>Initially we had had the projectiles as a purchasable from the UI bar however this proved to be too many actions for the player to take at once as they also had to move the player at the same time</a:t>
+            </a:r>
+          </a:p>
+        </p:txBody>
+      </p:sp>
+      <p:sp>
+        <p:nvSpPr>
+          <p:cNvPr id="5" name="TextBox 4"/>
+          <p:cNvSpPr txBox="1"/>
+          <p:nvPr/>
+        </p:nvSpPr>
+        <p:spPr>
+          <a:xfrm>
+            <a:off x="1991414" y="2432589"/>
+            <a:ext cx="7907131" cy="646331"/>
+          </a:xfrm>
+          <a:prstGeom prst="rect">
+            <a:avLst/>
+          </a:prstGeom>
+          <a:noFill/>
+        </p:spPr>
+        <p:txBody>
+          <a:bodyPr wrap="square" rtlCol="0">
+            <a:spAutoFit/>
+          </a:bodyPr>
+          <a:lstStyle/>
+          <a:p>
+            <a:r>
+              <a:rPr lang="en-GB" dirty="0">
+                <a:ln w="9525">
+                  <a:solidFill>
+                    <a:schemeClr val="bg1">
+                      <a:lumMod val="75000"/>
+                      <a:lumOff val="25000"/>
+                      <a:alpha val="72000"/>
+                    </a:schemeClr>
+                  </a:solidFill>
+                </a:ln>
+              </a:rPr>
+              <a:t>We made the player static and made the asteroids </a:t>
+            </a:r>
+            <a:r>
+              <a:rPr lang="en-GB" dirty="0" err="1">
+                <a:ln w="9525">
+                  <a:solidFill>
+                    <a:schemeClr val="bg1">
+                      <a:lumMod val="75000"/>
+                      <a:lumOff val="25000"/>
+                      <a:alpha val="72000"/>
+                    </a:schemeClr>
+                  </a:solidFill>
+                </a:ln>
+              </a:rPr>
+              <a:t>allways</a:t>
+            </a:r>
+            <a:r>
+              <a:rPr lang="en-GB" dirty="0">
+                <a:ln w="9525">
+                  <a:solidFill>
+                    <a:schemeClr val="bg1">
+                      <a:lumMod val="75000"/>
+                      <a:lumOff val="25000"/>
+                      <a:alpha val="72000"/>
+                    </a:schemeClr>
+                  </a:solidFill>
+                </a:ln>
+              </a:rPr>
+              <a:t> shoot from the players location.</a:t>
             </a:r>
           </a:p>
         </p:txBody>
